--- a/design/design_原型操作逻辑1.pptx
+++ b/design/design_原型操作逻辑1.pptx
@@ -902,7 +902,7 @@
           <a:p>
             <a:fld id="{DA1D79C5-4B11-4788-B9F6-AD7815F448FA}" type="datetimeFigureOut">
               <a:rPr lang="en-US" smtClean="0"/>
-              <a:t>6/8/2022</a:t>
+              <a:t>6/9/2022</a:t>
             </a:fld>
             <a:endParaRPr lang="en-US"/>
           </a:p>
@@ -1072,7 +1072,7 @@
           <a:p>
             <a:fld id="{DA1D79C5-4B11-4788-B9F6-AD7815F448FA}" type="datetimeFigureOut">
               <a:rPr lang="en-US" smtClean="0"/>
-              <a:t>6/8/2022</a:t>
+              <a:t>6/9/2022</a:t>
             </a:fld>
             <a:endParaRPr lang="en-US"/>
           </a:p>
@@ -1252,7 +1252,7 @@
           <a:p>
             <a:fld id="{DA1D79C5-4B11-4788-B9F6-AD7815F448FA}" type="datetimeFigureOut">
               <a:rPr lang="en-US" smtClean="0"/>
-              <a:t>6/8/2022</a:t>
+              <a:t>6/9/2022</a:t>
             </a:fld>
             <a:endParaRPr lang="en-US"/>
           </a:p>
@@ -1422,7 +1422,7 @@
           <a:p>
             <a:fld id="{DA1D79C5-4B11-4788-B9F6-AD7815F448FA}" type="datetimeFigureOut">
               <a:rPr lang="en-US" smtClean="0"/>
-              <a:t>6/8/2022</a:t>
+              <a:t>6/9/2022</a:t>
             </a:fld>
             <a:endParaRPr lang="en-US"/>
           </a:p>
@@ -1668,7 +1668,7 @@
           <a:p>
             <a:fld id="{DA1D79C5-4B11-4788-B9F6-AD7815F448FA}" type="datetimeFigureOut">
               <a:rPr lang="en-US" smtClean="0"/>
-              <a:t>6/8/2022</a:t>
+              <a:t>6/9/2022</a:t>
             </a:fld>
             <a:endParaRPr lang="en-US"/>
           </a:p>
@@ -1900,7 +1900,7 @@
           <a:p>
             <a:fld id="{DA1D79C5-4B11-4788-B9F6-AD7815F448FA}" type="datetimeFigureOut">
               <a:rPr lang="en-US" smtClean="0"/>
-              <a:t>6/8/2022</a:t>
+              <a:t>6/9/2022</a:t>
             </a:fld>
             <a:endParaRPr lang="en-US"/>
           </a:p>
@@ -2267,7 +2267,7 @@
           <a:p>
             <a:fld id="{DA1D79C5-4B11-4788-B9F6-AD7815F448FA}" type="datetimeFigureOut">
               <a:rPr lang="en-US" smtClean="0"/>
-              <a:t>6/8/2022</a:t>
+              <a:t>6/9/2022</a:t>
             </a:fld>
             <a:endParaRPr lang="en-US"/>
           </a:p>
@@ -2385,7 +2385,7 @@
           <a:p>
             <a:fld id="{DA1D79C5-4B11-4788-B9F6-AD7815F448FA}" type="datetimeFigureOut">
               <a:rPr lang="en-US" smtClean="0"/>
-              <a:t>6/8/2022</a:t>
+              <a:t>6/9/2022</a:t>
             </a:fld>
             <a:endParaRPr lang="en-US"/>
           </a:p>
@@ -2480,7 +2480,7 @@
           <a:p>
             <a:fld id="{DA1D79C5-4B11-4788-B9F6-AD7815F448FA}" type="datetimeFigureOut">
               <a:rPr lang="en-US" smtClean="0"/>
-              <a:t>6/8/2022</a:t>
+              <a:t>6/9/2022</a:t>
             </a:fld>
             <a:endParaRPr lang="en-US"/>
           </a:p>
@@ -2757,7 +2757,7 @@
           <a:p>
             <a:fld id="{DA1D79C5-4B11-4788-B9F6-AD7815F448FA}" type="datetimeFigureOut">
               <a:rPr lang="en-US" smtClean="0"/>
-              <a:t>6/8/2022</a:t>
+              <a:t>6/9/2022</a:t>
             </a:fld>
             <a:endParaRPr lang="en-US"/>
           </a:p>
@@ -3014,7 +3014,7 @@
           <a:p>
             <a:fld id="{DA1D79C5-4B11-4788-B9F6-AD7815F448FA}" type="datetimeFigureOut">
               <a:rPr lang="en-US" smtClean="0"/>
-              <a:t>6/8/2022</a:t>
+              <a:t>6/9/2022</a:t>
             </a:fld>
             <a:endParaRPr lang="en-US"/>
           </a:p>
@@ -3227,7 +3227,7 @@
           <a:p>
             <a:fld id="{DA1D79C5-4B11-4788-B9F6-AD7815F448FA}" type="datetimeFigureOut">
               <a:rPr lang="en-US" smtClean="0"/>
-              <a:t>6/8/2022</a:t>
+              <a:t>6/9/2022</a:t>
             </a:fld>
             <a:endParaRPr lang="en-US"/>
           </a:p>
@@ -4414,13 +4414,15 @@
               </a:ext>
             </a:extLst>
           </p:cNvPr>
-          <p:cNvCxnSpPr/>
+          <p:cNvCxnSpPr>
+            <a:cxnSpLocks/>
+          </p:cNvCxnSpPr>
           <p:nvPr/>
         </p:nvCxnSpPr>
         <p:spPr>
           <a:xfrm rot="5400000" flipH="1" flipV="1">
-            <a:off x="4323179" y="3146168"/>
-            <a:ext cx="1623526" cy="681135"/>
+            <a:off x="4037142" y="3428909"/>
+            <a:ext cx="2192303" cy="684431"/>
           </a:xfrm>
           <a:prstGeom prst="bentConnector3">
             <a:avLst/>
